--- a/submission2/Deep Learning Based Approach For Detecting Suicidal Ideation in Code-Mixed Hindi-English_ Baseline and Corpus.pptx
+++ b/submission2/Deep Learning Based Approach For Detecting Suicidal Ideation in Code-Mixed Hindi-English_ Baseline and Corpus.pptx
@@ -811,7 +811,7 @@
   <p:cSld>
     <p:spTree>
       <p:nvGrpSpPr>
-        <p:cNvPr id="67" name="Shape 67"/>
+        <p:cNvPr id="68" name="Shape 68"/>
         <p:cNvGrpSpPr/>
         <p:nvPr/>
       </p:nvGrpSpPr>
@@ -825,7 +825,7 @@
       </p:grpSpPr>
       <p:sp>
         <p:nvSpPr>
-          <p:cNvPr id="68" name="Google Shape;68;g21fd67c1429_0_55:notes"/>
+          <p:cNvPr id="69" name="Google Shape;69;g21fd67c1429_0_55:notes"/>
           <p:cNvSpPr/>
           <p:nvPr>
             <p:ph idx="2" type="sldImg"/>
@@ -860,7 +860,7 @@
       </p:sp>
       <p:sp>
         <p:nvSpPr>
-          <p:cNvPr id="69" name="Google Shape;69;g21fd67c1429_0_55:notes"/>
+          <p:cNvPr id="70" name="Google Shape;70;g21fd67c1429_0_55:notes"/>
           <p:cNvSpPr txBox="1"/>
           <p:nvPr>
             <p:ph idx="1" type="body"/>
@@ -910,7 +910,7 @@
   <p:cSld>
     <p:spTree>
       <p:nvGrpSpPr>
-        <p:cNvPr id="73" name="Shape 73"/>
+        <p:cNvPr id="75" name="Shape 75"/>
         <p:cNvGrpSpPr/>
         <p:nvPr/>
       </p:nvGrpSpPr>
@@ -924,7 +924,7 @@
       </p:grpSpPr>
       <p:sp>
         <p:nvSpPr>
-          <p:cNvPr id="74" name="Google Shape;74;g21fd67c1429_0_70:notes"/>
+          <p:cNvPr id="76" name="Google Shape;76;g21fd67c1429_0_70:notes"/>
           <p:cNvSpPr/>
           <p:nvPr>
             <p:ph idx="2" type="sldImg"/>
@@ -959,7 +959,7 @@
       </p:sp>
       <p:sp>
         <p:nvSpPr>
-          <p:cNvPr id="75" name="Google Shape;75;g21fd67c1429_0_70:notes"/>
+          <p:cNvPr id="77" name="Google Shape;77;g21fd67c1429_0_70:notes"/>
           <p:cNvSpPr txBox="1"/>
           <p:nvPr>
             <p:ph idx="1" type="body"/>
@@ -1009,7 +1009,7 @@
   <p:cSld>
     <p:spTree>
       <p:nvGrpSpPr>
-        <p:cNvPr id="79" name="Shape 79"/>
+        <p:cNvPr id="82" name="Shape 82"/>
         <p:cNvGrpSpPr/>
         <p:nvPr/>
       </p:nvGrpSpPr>
@@ -1023,7 +1023,7 @@
       </p:grpSpPr>
       <p:sp>
         <p:nvSpPr>
-          <p:cNvPr id="80" name="Google Shape;80;g21fd67c1429_0_60:notes"/>
+          <p:cNvPr id="83" name="Google Shape;83;g21fd67c1429_0_60:notes"/>
           <p:cNvSpPr/>
           <p:nvPr>
             <p:ph idx="2" type="sldImg"/>
@@ -1058,7 +1058,7 @@
       </p:sp>
       <p:sp>
         <p:nvSpPr>
-          <p:cNvPr id="81" name="Google Shape;81;g21fd67c1429_0_60:notes"/>
+          <p:cNvPr id="84" name="Google Shape;84;g21fd67c1429_0_60:notes"/>
           <p:cNvSpPr txBox="1"/>
           <p:nvPr>
             <p:ph idx="1" type="body"/>
@@ -1108,7 +1108,7 @@
   <p:cSld>
     <p:spTree>
       <p:nvGrpSpPr>
-        <p:cNvPr id="87" name="Shape 87"/>
+        <p:cNvPr id="91" name="Shape 91"/>
         <p:cNvGrpSpPr/>
         <p:nvPr/>
       </p:nvGrpSpPr>
@@ -1122,7 +1122,7 @@
       </p:grpSpPr>
       <p:sp>
         <p:nvSpPr>
-          <p:cNvPr id="88" name="Google Shape;88;g21fd67c1429_7_4:notes"/>
+          <p:cNvPr id="92" name="Google Shape;92;g21fd67c1429_7_4:notes"/>
           <p:cNvSpPr/>
           <p:nvPr>
             <p:ph idx="2" type="sldImg"/>
@@ -1157,7 +1157,7 @@
       </p:sp>
       <p:sp>
         <p:nvSpPr>
-          <p:cNvPr id="89" name="Google Shape;89;g21fd67c1429_7_4:notes"/>
+          <p:cNvPr id="93" name="Google Shape;93;g21fd67c1429_7_4:notes"/>
           <p:cNvSpPr txBox="1"/>
           <p:nvPr>
             <p:ph idx="1" type="body"/>
@@ -1207,7 +1207,7 @@
   <p:cSld>
     <p:spTree>
       <p:nvGrpSpPr>
-        <p:cNvPr id="93" name="Shape 93"/>
+        <p:cNvPr id="98" name="Shape 98"/>
         <p:cNvGrpSpPr/>
         <p:nvPr/>
       </p:nvGrpSpPr>
@@ -1221,7 +1221,7 @@
       </p:grpSpPr>
       <p:sp>
         <p:nvSpPr>
-          <p:cNvPr id="94" name="Google Shape;94;g21fd67c1429_0_65:notes"/>
+          <p:cNvPr id="99" name="Google Shape;99;g21fd67c1429_0_65:notes"/>
           <p:cNvSpPr/>
           <p:nvPr>
             <p:ph idx="2" type="sldImg"/>
@@ -1256,7 +1256,7 @@
       </p:sp>
       <p:sp>
         <p:nvSpPr>
-          <p:cNvPr id="95" name="Google Shape;95;g21fd67c1429_0_65:notes"/>
+          <p:cNvPr id="100" name="Google Shape;100;g21fd67c1429_0_65:notes"/>
           <p:cNvSpPr txBox="1"/>
           <p:nvPr>
             <p:ph idx="1" type="body"/>
@@ -7677,6 +7677,58 @@
           </a:p>
         </p:txBody>
       </p:sp>
+      <p:sp>
+        <p:nvSpPr>
+          <p:cNvPr id="67" name="Google Shape;67;p13"/>
+          <p:cNvSpPr txBox="1"/>
+          <p:nvPr/>
+        </p:nvSpPr>
+        <p:spPr>
+          <a:xfrm>
+            <a:off x="8723125" y="42700"/>
+            <a:ext cx="288900" cy="400200"/>
+          </a:xfrm>
+          <a:prstGeom prst="rect">
+            <a:avLst/>
+          </a:prstGeom>
+          <a:noFill/>
+          <a:ln>
+            <a:noFill/>
+          </a:ln>
+        </p:spPr>
+        <p:txBody>
+          <a:bodyPr anchorCtr="0" anchor="t" bIns="91425" lIns="91425" spcFirstLastPara="1" rIns="91425" wrap="square" tIns="91425">
+            <a:spAutoFit/>
+          </a:bodyPr>
+          <a:lstStyle/>
+          <a:p>
+            <a:pPr indent="0" lvl="0" marL="0" rtl="0" algn="l">
+              <a:spcBef>
+                <a:spcPts val="0"/>
+              </a:spcBef>
+              <a:spcAft>
+                <a:spcPts val="0"/>
+              </a:spcAft>
+              <a:buNone/>
+            </a:pPr>
+            <a:r>
+              <a:rPr lang="en">
+                <a:latin typeface="Roboto"/>
+                <a:ea typeface="Roboto"/>
+                <a:cs typeface="Roboto"/>
+                <a:sym typeface="Roboto"/>
+              </a:rPr>
+              <a:t>1</a:t>
+            </a:r>
+            <a:endParaRPr>
+              <a:latin typeface="Roboto"/>
+              <a:ea typeface="Roboto"/>
+              <a:cs typeface="Roboto"/>
+              <a:sym typeface="Roboto"/>
+            </a:endParaRPr>
+          </a:p>
+        </p:txBody>
+      </p:sp>
     </p:spTree>
   </p:cSld>
   <p:clrMapOvr>
@@ -7690,7 +7742,7 @@
   <p:cSld>
     <p:spTree>
       <p:nvGrpSpPr>
-        <p:cNvPr id="70" name="Shape 70"/>
+        <p:cNvPr id="71" name="Shape 71"/>
         <p:cNvGrpSpPr/>
         <p:nvPr/>
       </p:nvGrpSpPr>
@@ -7704,7 +7756,7 @@
       </p:grpSpPr>
       <p:sp>
         <p:nvSpPr>
-          <p:cNvPr id="71" name="Google Shape;71;p14"/>
+          <p:cNvPr id="72" name="Google Shape;72;p14"/>
           <p:cNvSpPr txBox="1"/>
           <p:nvPr>
             <p:ph type="title"/>
@@ -7744,7 +7796,7 @@
       </p:sp>
       <p:sp>
         <p:nvSpPr>
-          <p:cNvPr id="72" name="Google Shape;72;p14"/>
+          <p:cNvPr id="73" name="Google Shape;73;p14"/>
           <p:cNvSpPr txBox="1"/>
           <p:nvPr>
             <p:ph idx="1" type="body"/>
@@ -7962,6 +8014,58 @@
           </a:p>
         </p:txBody>
       </p:sp>
+      <p:sp>
+        <p:nvSpPr>
+          <p:cNvPr id="74" name="Google Shape;74;p14"/>
+          <p:cNvSpPr txBox="1"/>
+          <p:nvPr/>
+        </p:nvSpPr>
+        <p:spPr>
+          <a:xfrm>
+            <a:off x="8723125" y="42700"/>
+            <a:ext cx="288900" cy="400200"/>
+          </a:xfrm>
+          <a:prstGeom prst="rect">
+            <a:avLst/>
+          </a:prstGeom>
+          <a:noFill/>
+          <a:ln>
+            <a:noFill/>
+          </a:ln>
+        </p:spPr>
+        <p:txBody>
+          <a:bodyPr anchorCtr="0" anchor="t" bIns="91425" lIns="91425" spcFirstLastPara="1" rIns="91425" wrap="square" tIns="91425">
+            <a:spAutoFit/>
+          </a:bodyPr>
+          <a:lstStyle/>
+          <a:p>
+            <a:pPr indent="0" lvl="0" marL="0" rtl="0" algn="l">
+              <a:spcBef>
+                <a:spcPts val="0"/>
+              </a:spcBef>
+              <a:spcAft>
+                <a:spcPts val="0"/>
+              </a:spcAft>
+              <a:buNone/>
+            </a:pPr>
+            <a:r>
+              <a:rPr lang="en">
+                <a:latin typeface="Roboto"/>
+                <a:ea typeface="Roboto"/>
+                <a:cs typeface="Roboto"/>
+                <a:sym typeface="Roboto"/>
+              </a:rPr>
+              <a:t>2</a:t>
+            </a:r>
+            <a:endParaRPr>
+              <a:latin typeface="Roboto"/>
+              <a:ea typeface="Roboto"/>
+              <a:cs typeface="Roboto"/>
+              <a:sym typeface="Roboto"/>
+            </a:endParaRPr>
+          </a:p>
+        </p:txBody>
+      </p:sp>
     </p:spTree>
   </p:cSld>
   <p:clrMapOvr>
@@ -7975,7 +8079,7 @@
   <p:cSld>
     <p:spTree>
       <p:nvGrpSpPr>
-        <p:cNvPr id="76" name="Shape 76"/>
+        <p:cNvPr id="78" name="Shape 78"/>
         <p:cNvGrpSpPr/>
         <p:nvPr/>
       </p:nvGrpSpPr>
@@ -7989,7 +8093,7 @@
       </p:grpSpPr>
       <p:sp>
         <p:nvSpPr>
-          <p:cNvPr id="77" name="Google Shape;77;p15"/>
+          <p:cNvPr id="79" name="Google Shape;79;p15"/>
           <p:cNvSpPr txBox="1"/>
           <p:nvPr>
             <p:ph type="title"/>
@@ -8029,7 +8133,7 @@
       </p:sp>
       <p:sp>
         <p:nvSpPr>
-          <p:cNvPr id="78" name="Google Shape;78;p15"/>
+          <p:cNvPr id="80" name="Google Shape;80;p15"/>
           <p:cNvSpPr txBox="1"/>
           <p:nvPr>
             <p:ph idx="1" type="body"/>
@@ -8301,6 +8405,58 @@
           </a:p>
         </p:txBody>
       </p:sp>
+      <p:sp>
+        <p:nvSpPr>
+          <p:cNvPr id="81" name="Google Shape;81;p15"/>
+          <p:cNvSpPr txBox="1"/>
+          <p:nvPr/>
+        </p:nvSpPr>
+        <p:spPr>
+          <a:xfrm>
+            <a:off x="8723125" y="42700"/>
+            <a:ext cx="288900" cy="400200"/>
+          </a:xfrm>
+          <a:prstGeom prst="rect">
+            <a:avLst/>
+          </a:prstGeom>
+          <a:noFill/>
+          <a:ln>
+            <a:noFill/>
+          </a:ln>
+        </p:spPr>
+        <p:txBody>
+          <a:bodyPr anchorCtr="0" anchor="t" bIns="91425" lIns="91425" spcFirstLastPara="1" rIns="91425" wrap="square" tIns="91425">
+            <a:spAutoFit/>
+          </a:bodyPr>
+          <a:lstStyle/>
+          <a:p>
+            <a:pPr indent="0" lvl="0" marL="0" rtl="0" algn="l">
+              <a:spcBef>
+                <a:spcPts val="0"/>
+              </a:spcBef>
+              <a:spcAft>
+                <a:spcPts val="0"/>
+              </a:spcAft>
+              <a:buNone/>
+            </a:pPr>
+            <a:r>
+              <a:rPr lang="en">
+                <a:latin typeface="Roboto"/>
+                <a:ea typeface="Roboto"/>
+                <a:cs typeface="Roboto"/>
+                <a:sym typeface="Roboto"/>
+              </a:rPr>
+              <a:t>3</a:t>
+            </a:r>
+            <a:endParaRPr>
+              <a:latin typeface="Roboto"/>
+              <a:ea typeface="Roboto"/>
+              <a:cs typeface="Roboto"/>
+              <a:sym typeface="Roboto"/>
+            </a:endParaRPr>
+          </a:p>
+        </p:txBody>
+      </p:sp>
     </p:spTree>
   </p:cSld>
   <p:clrMapOvr>
@@ -8314,7 +8470,7 @@
   <p:cSld>
     <p:spTree>
       <p:nvGrpSpPr>
-        <p:cNvPr id="82" name="Shape 82"/>
+        <p:cNvPr id="85" name="Shape 85"/>
         <p:cNvGrpSpPr/>
         <p:nvPr/>
       </p:nvGrpSpPr>
@@ -8328,7 +8484,7 @@
       </p:grpSpPr>
       <p:sp>
         <p:nvSpPr>
-          <p:cNvPr id="83" name="Google Shape;83;p16"/>
+          <p:cNvPr id="86" name="Google Shape;86;p16"/>
           <p:cNvSpPr txBox="1"/>
           <p:nvPr>
             <p:ph type="title"/>
@@ -8368,7 +8524,7 @@
       </p:sp>
       <p:pic>
         <p:nvPicPr>
-          <p:cNvPr id="84" name="Google Shape;84;p16"/>
+          <p:cNvPr id="87" name="Google Shape;87;p16"/>
           <p:cNvPicPr preferRelativeResize="0"/>
           <p:nvPr/>
         </p:nvPicPr>
@@ -8396,7 +8552,7 @@
       </p:pic>
       <p:pic>
         <p:nvPicPr>
-          <p:cNvPr id="85" name="Google Shape;85;p16"/>
+          <p:cNvPr id="88" name="Google Shape;88;p16"/>
           <p:cNvPicPr preferRelativeResize="0"/>
           <p:nvPr/>
         </p:nvPicPr>
@@ -8424,7 +8580,7 @@
       </p:pic>
       <p:pic>
         <p:nvPicPr>
-          <p:cNvPr id="86" name="Google Shape;86;p16"/>
+          <p:cNvPr id="89" name="Google Shape;89;p16"/>
           <p:cNvPicPr preferRelativeResize="0"/>
           <p:nvPr/>
         </p:nvPicPr>
@@ -8450,6 +8606,58 @@
           </a:ln>
         </p:spPr>
       </p:pic>
+      <p:sp>
+        <p:nvSpPr>
+          <p:cNvPr id="90" name="Google Shape;90;p16"/>
+          <p:cNvSpPr txBox="1"/>
+          <p:nvPr/>
+        </p:nvSpPr>
+        <p:spPr>
+          <a:xfrm>
+            <a:off x="8723125" y="42700"/>
+            <a:ext cx="288900" cy="400200"/>
+          </a:xfrm>
+          <a:prstGeom prst="rect">
+            <a:avLst/>
+          </a:prstGeom>
+          <a:noFill/>
+          <a:ln>
+            <a:noFill/>
+          </a:ln>
+        </p:spPr>
+        <p:txBody>
+          <a:bodyPr anchorCtr="0" anchor="t" bIns="91425" lIns="91425" spcFirstLastPara="1" rIns="91425" wrap="square" tIns="91425">
+            <a:spAutoFit/>
+          </a:bodyPr>
+          <a:lstStyle/>
+          <a:p>
+            <a:pPr indent="0" lvl="0" marL="0" rtl="0" algn="l">
+              <a:spcBef>
+                <a:spcPts val="0"/>
+              </a:spcBef>
+              <a:spcAft>
+                <a:spcPts val="0"/>
+              </a:spcAft>
+              <a:buNone/>
+            </a:pPr>
+            <a:r>
+              <a:rPr lang="en">
+                <a:latin typeface="Roboto"/>
+                <a:ea typeface="Roboto"/>
+                <a:cs typeface="Roboto"/>
+                <a:sym typeface="Roboto"/>
+              </a:rPr>
+              <a:t>4</a:t>
+            </a:r>
+            <a:endParaRPr>
+              <a:latin typeface="Roboto"/>
+              <a:ea typeface="Roboto"/>
+              <a:cs typeface="Roboto"/>
+              <a:sym typeface="Roboto"/>
+            </a:endParaRPr>
+          </a:p>
+        </p:txBody>
+      </p:sp>
     </p:spTree>
   </p:cSld>
   <p:clrMapOvr>
@@ -8463,7 +8671,7 @@
   <p:cSld>
     <p:spTree>
       <p:nvGrpSpPr>
-        <p:cNvPr id="90" name="Shape 90"/>
+        <p:cNvPr id="94" name="Shape 94"/>
         <p:cNvGrpSpPr/>
         <p:nvPr/>
       </p:nvGrpSpPr>
@@ -8477,7 +8685,7 @@
       </p:grpSpPr>
       <p:sp>
         <p:nvSpPr>
-          <p:cNvPr id="91" name="Google Shape;91;p17"/>
+          <p:cNvPr id="95" name="Google Shape;95;p17"/>
           <p:cNvSpPr txBox="1"/>
           <p:nvPr>
             <p:ph type="title"/>
@@ -8517,7 +8725,7 @@
       </p:sp>
       <p:sp>
         <p:nvSpPr>
-          <p:cNvPr id="92" name="Google Shape;92;p17"/>
+          <p:cNvPr id="96" name="Google Shape;96;p17"/>
           <p:cNvSpPr txBox="1"/>
           <p:nvPr>
             <p:ph idx="1" type="body"/>
@@ -8648,6 +8856,58 @@
           </a:p>
         </p:txBody>
       </p:sp>
+      <p:sp>
+        <p:nvSpPr>
+          <p:cNvPr id="97" name="Google Shape;97;p17"/>
+          <p:cNvSpPr txBox="1"/>
+          <p:nvPr/>
+        </p:nvSpPr>
+        <p:spPr>
+          <a:xfrm>
+            <a:off x="8723125" y="42700"/>
+            <a:ext cx="288900" cy="400200"/>
+          </a:xfrm>
+          <a:prstGeom prst="rect">
+            <a:avLst/>
+          </a:prstGeom>
+          <a:noFill/>
+          <a:ln>
+            <a:noFill/>
+          </a:ln>
+        </p:spPr>
+        <p:txBody>
+          <a:bodyPr anchorCtr="0" anchor="t" bIns="91425" lIns="91425" spcFirstLastPara="1" rIns="91425" wrap="square" tIns="91425">
+            <a:spAutoFit/>
+          </a:bodyPr>
+          <a:lstStyle/>
+          <a:p>
+            <a:pPr indent="0" lvl="0" marL="0" rtl="0" algn="l">
+              <a:spcBef>
+                <a:spcPts val="0"/>
+              </a:spcBef>
+              <a:spcAft>
+                <a:spcPts val="0"/>
+              </a:spcAft>
+              <a:buNone/>
+            </a:pPr>
+            <a:r>
+              <a:rPr lang="en">
+                <a:latin typeface="Roboto"/>
+                <a:ea typeface="Roboto"/>
+                <a:cs typeface="Roboto"/>
+                <a:sym typeface="Roboto"/>
+              </a:rPr>
+              <a:t>5</a:t>
+            </a:r>
+            <a:endParaRPr>
+              <a:latin typeface="Roboto"/>
+              <a:ea typeface="Roboto"/>
+              <a:cs typeface="Roboto"/>
+              <a:sym typeface="Roboto"/>
+            </a:endParaRPr>
+          </a:p>
+        </p:txBody>
+      </p:sp>
     </p:spTree>
   </p:cSld>
   <p:clrMapOvr>
@@ -8661,7 +8921,7 @@
   <p:cSld>
     <p:spTree>
       <p:nvGrpSpPr>
-        <p:cNvPr id="96" name="Shape 96"/>
+        <p:cNvPr id="101" name="Shape 101"/>
         <p:cNvGrpSpPr/>
         <p:nvPr/>
       </p:nvGrpSpPr>
@@ -8675,7 +8935,7 @@
       </p:grpSpPr>
       <p:sp>
         <p:nvSpPr>
-          <p:cNvPr id="97" name="Google Shape;97;p18"/>
+          <p:cNvPr id="102" name="Google Shape;102;p18"/>
           <p:cNvSpPr txBox="1"/>
           <p:nvPr>
             <p:ph type="title"/>
@@ -8715,7 +8975,7 @@
       </p:sp>
       <p:sp>
         <p:nvSpPr>
-          <p:cNvPr id="98" name="Google Shape;98;p18"/>
+          <p:cNvPr id="103" name="Google Shape;103;p18"/>
           <p:cNvSpPr txBox="1"/>
           <p:nvPr>
             <p:ph idx="1" type="body"/>
@@ -8820,6 +9080,58 @@
               <a:ea typeface="Times New Roman"/>
               <a:cs typeface="Times New Roman"/>
               <a:sym typeface="Times New Roman"/>
+            </a:endParaRPr>
+          </a:p>
+        </p:txBody>
+      </p:sp>
+      <p:sp>
+        <p:nvSpPr>
+          <p:cNvPr id="104" name="Google Shape;104;p18"/>
+          <p:cNvSpPr txBox="1"/>
+          <p:nvPr/>
+        </p:nvSpPr>
+        <p:spPr>
+          <a:xfrm>
+            <a:off x="8723125" y="42700"/>
+            <a:ext cx="288900" cy="400200"/>
+          </a:xfrm>
+          <a:prstGeom prst="rect">
+            <a:avLst/>
+          </a:prstGeom>
+          <a:noFill/>
+          <a:ln>
+            <a:noFill/>
+          </a:ln>
+        </p:spPr>
+        <p:txBody>
+          <a:bodyPr anchorCtr="0" anchor="t" bIns="91425" lIns="91425" spcFirstLastPara="1" rIns="91425" wrap="square" tIns="91425">
+            <a:spAutoFit/>
+          </a:bodyPr>
+          <a:lstStyle/>
+          <a:p>
+            <a:pPr indent="0" lvl="0" marL="0" rtl="0" algn="l">
+              <a:spcBef>
+                <a:spcPts val="0"/>
+              </a:spcBef>
+              <a:spcAft>
+                <a:spcPts val="0"/>
+              </a:spcAft>
+              <a:buNone/>
+            </a:pPr>
+            <a:r>
+              <a:rPr lang="en">
+                <a:latin typeface="Roboto"/>
+                <a:ea typeface="Roboto"/>
+                <a:cs typeface="Roboto"/>
+                <a:sym typeface="Roboto"/>
+              </a:rPr>
+              <a:t>6</a:t>
+            </a:r>
+            <a:endParaRPr>
+              <a:latin typeface="Roboto"/>
+              <a:ea typeface="Roboto"/>
+              <a:cs typeface="Roboto"/>
+              <a:sym typeface="Roboto"/>
             </a:endParaRPr>
           </a:p>
         </p:txBody>
